--- a/images/Image_all.pptx
+++ b/images/Image_all.pptx
@@ -262,7 +262,7 @@
           <a:p>
             <a:fld id="{4DAD8B96-AC4A-0F48-B32E-5DA1D9E7C888}" type="datetimeFigureOut">
               <a:rPr lang="en-GB" smtClean="0"/>
-              <a:t>24/01/2022</a:t>
+              <a:t>26/01/2022</a:t>
             </a:fld>
             <a:endParaRPr lang="en-GB"/>
           </a:p>
@@ -462,7 +462,7 @@
           <a:p>
             <a:fld id="{4DAD8B96-AC4A-0F48-B32E-5DA1D9E7C888}" type="datetimeFigureOut">
               <a:rPr lang="en-GB" smtClean="0"/>
-              <a:t>24/01/2022</a:t>
+              <a:t>26/01/2022</a:t>
             </a:fld>
             <a:endParaRPr lang="en-GB"/>
           </a:p>
@@ -672,7 +672,7 @@
           <a:p>
             <a:fld id="{4DAD8B96-AC4A-0F48-B32E-5DA1D9E7C888}" type="datetimeFigureOut">
               <a:rPr lang="en-GB" smtClean="0"/>
-              <a:t>24/01/2022</a:t>
+              <a:t>26/01/2022</a:t>
             </a:fld>
             <a:endParaRPr lang="en-GB"/>
           </a:p>
@@ -872,7 +872,7 @@
           <a:p>
             <a:fld id="{4DAD8B96-AC4A-0F48-B32E-5DA1D9E7C888}" type="datetimeFigureOut">
               <a:rPr lang="en-GB" smtClean="0"/>
-              <a:t>24/01/2022</a:t>
+              <a:t>26/01/2022</a:t>
             </a:fld>
             <a:endParaRPr lang="en-GB"/>
           </a:p>
@@ -1148,7 +1148,7 @@
           <a:p>
             <a:fld id="{4DAD8B96-AC4A-0F48-B32E-5DA1D9E7C888}" type="datetimeFigureOut">
               <a:rPr lang="en-GB" smtClean="0"/>
-              <a:t>24/01/2022</a:t>
+              <a:t>26/01/2022</a:t>
             </a:fld>
             <a:endParaRPr lang="en-GB"/>
           </a:p>
@@ -1416,7 +1416,7 @@
           <a:p>
             <a:fld id="{4DAD8B96-AC4A-0F48-B32E-5DA1D9E7C888}" type="datetimeFigureOut">
               <a:rPr lang="en-GB" smtClean="0"/>
-              <a:t>24/01/2022</a:t>
+              <a:t>26/01/2022</a:t>
             </a:fld>
             <a:endParaRPr lang="en-GB"/>
           </a:p>
@@ -1831,7 +1831,7 @@
           <a:p>
             <a:fld id="{4DAD8B96-AC4A-0F48-B32E-5DA1D9E7C888}" type="datetimeFigureOut">
               <a:rPr lang="en-GB" smtClean="0"/>
-              <a:t>24/01/2022</a:t>
+              <a:t>26/01/2022</a:t>
             </a:fld>
             <a:endParaRPr lang="en-GB"/>
           </a:p>
@@ -1973,7 +1973,7 @@
           <a:p>
             <a:fld id="{4DAD8B96-AC4A-0F48-B32E-5DA1D9E7C888}" type="datetimeFigureOut">
               <a:rPr lang="en-GB" smtClean="0"/>
-              <a:t>24/01/2022</a:t>
+              <a:t>26/01/2022</a:t>
             </a:fld>
             <a:endParaRPr lang="en-GB"/>
           </a:p>
@@ -2086,7 +2086,7 @@
           <a:p>
             <a:fld id="{4DAD8B96-AC4A-0F48-B32E-5DA1D9E7C888}" type="datetimeFigureOut">
               <a:rPr lang="en-GB" smtClean="0"/>
-              <a:t>24/01/2022</a:t>
+              <a:t>26/01/2022</a:t>
             </a:fld>
             <a:endParaRPr lang="en-GB"/>
           </a:p>
@@ -2399,7 +2399,7 @@
           <a:p>
             <a:fld id="{4DAD8B96-AC4A-0F48-B32E-5DA1D9E7C888}" type="datetimeFigureOut">
               <a:rPr lang="en-GB" smtClean="0"/>
-              <a:t>24/01/2022</a:t>
+              <a:t>26/01/2022</a:t>
             </a:fld>
             <a:endParaRPr lang="en-GB"/>
           </a:p>
@@ -2688,7 +2688,7 @@
           <a:p>
             <a:fld id="{4DAD8B96-AC4A-0F48-B32E-5DA1D9E7C888}" type="datetimeFigureOut">
               <a:rPr lang="en-GB" smtClean="0"/>
-              <a:t>24/01/2022</a:t>
+              <a:t>26/01/2022</a:t>
             </a:fld>
             <a:endParaRPr lang="en-GB"/>
           </a:p>
@@ -2931,7 +2931,7 @@
           <a:p>
             <a:fld id="{4DAD8B96-AC4A-0F48-B32E-5DA1D9E7C888}" type="datetimeFigureOut">
               <a:rPr lang="en-GB" smtClean="0"/>
-              <a:t>24/01/2022</a:t>
+              <a:t>26/01/2022</a:t>
             </a:fld>
             <a:endParaRPr lang="en-GB"/>
           </a:p>
@@ -3489,93 +3489,12 @@
           <a:chExt cx="0" cy="0"/>
         </a:xfrm>
       </p:grpSpPr>
-      <p:grpSp>
-        <p:nvGrpSpPr>
-          <p:cNvPr id="2" name="Gruppieren 1">
-            <a:extLst>
-              <a:ext uri="{FF2B5EF4-FFF2-40B4-BE49-F238E27FC236}">
-                <a16:creationId xmlns:a16="http://schemas.microsoft.com/office/drawing/2014/main" id="{FD554AF9-2156-4D20-A438-3F1703D70C34}"/>
-              </a:ext>
-            </a:extLst>
-          </p:cNvPr>
-          <p:cNvGrpSpPr/>
-          <p:nvPr/>
-        </p:nvGrpSpPr>
-        <p:grpSpPr>
-          <a:xfrm>
-            <a:off x="121727" y="128068"/>
-            <a:ext cx="12070273" cy="1080000"/>
-            <a:chOff x="121727" y="128068"/>
-            <a:chExt cx="12070273" cy="1080000"/>
-          </a:xfrm>
-        </p:grpSpPr>
-        <p:pic>
-          <p:nvPicPr>
-            <p:cNvPr id="7" name="Picture 6">
-              <a:extLst>
-                <a:ext uri="{FF2B5EF4-FFF2-40B4-BE49-F238E27FC236}">
-                  <a16:creationId xmlns:a16="http://schemas.microsoft.com/office/drawing/2014/main" id="{6DB738DB-4857-4E4F-BF17-6225DF37FF8B}"/>
-                </a:ext>
-              </a:extLst>
-            </p:cNvPr>
-            <p:cNvPicPr>
-              <a:picLocks noChangeAspect="1"/>
-            </p:cNvPicPr>
-            <p:nvPr/>
-          </p:nvPicPr>
-          <p:blipFill>
-            <a:blip r:embed="rId2"/>
-            <a:stretch>
-              <a:fillRect/>
-            </a:stretch>
-          </p:blipFill>
-          <p:spPr>
-            <a:xfrm>
-              <a:off x="9133593" y="128068"/>
-              <a:ext cx="3058407" cy="1080000"/>
-            </a:xfrm>
-            <a:prstGeom prst="rect">
-              <a:avLst/>
-            </a:prstGeom>
-          </p:spPr>
-        </p:pic>
-        <p:pic>
-          <p:nvPicPr>
-            <p:cNvPr id="11" name="Picture 10">
-              <a:extLst>
-                <a:ext uri="{FF2B5EF4-FFF2-40B4-BE49-F238E27FC236}">
-                  <a16:creationId xmlns:a16="http://schemas.microsoft.com/office/drawing/2014/main" id="{C8F7B85A-89B0-5647-8CFC-99CD5AA1DA6E}"/>
-                </a:ext>
-              </a:extLst>
-            </p:cNvPr>
-            <p:cNvPicPr>
-              <a:picLocks noChangeAspect="1"/>
-            </p:cNvPicPr>
-            <p:nvPr/>
-          </p:nvPicPr>
-          <p:blipFill>
-            <a:blip r:embed="rId3"/>
-            <a:stretch>
-              <a:fillRect/>
-            </a:stretch>
-          </p:blipFill>
-          <p:spPr>
-            <a:xfrm>
-              <a:off x="121727" y="128068"/>
-              <a:ext cx="4886561" cy="1080000"/>
-            </a:xfrm>
-            <a:prstGeom prst="rect">
-              <a:avLst/>
-            </a:prstGeom>
-          </p:spPr>
-        </p:pic>
-      </p:grpSp>
       <p:pic>
         <p:nvPicPr>
-          <p:cNvPr id="4" name="Picture 3">
-            <a:extLst>
-              <a:ext uri="{FF2B5EF4-FFF2-40B4-BE49-F238E27FC236}">
-                <a16:creationId xmlns:a16="http://schemas.microsoft.com/office/drawing/2014/main" id="{33C5C112-F1EC-EF46-9B0A-B5934CCCC098}"/>
+          <p:cNvPr id="11" name="Picture 10">
+            <a:extLst>
+              <a:ext uri="{FF2B5EF4-FFF2-40B4-BE49-F238E27FC236}">
+                <a16:creationId xmlns:a16="http://schemas.microsoft.com/office/drawing/2014/main" id="{C8F7B85A-89B0-5647-8CFC-99CD5AA1DA6E}"/>
               </a:ext>
             </a:extLst>
           </p:cNvPr>
@@ -3585,7 +3504,37 @@
           <p:nvPr/>
         </p:nvPicPr>
         <p:blipFill>
-          <a:blip r:embed="rId4"/>
+          <a:blip r:embed="rId2"/>
+          <a:stretch>
+            <a:fillRect/>
+          </a:stretch>
+        </p:blipFill>
+        <p:spPr>
+          <a:xfrm>
+            <a:off x="121727" y="128068"/>
+            <a:ext cx="4886561" cy="1080000"/>
+          </a:xfrm>
+          <a:prstGeom prst="rect">
+            <a:avLst/>
+          </a:prstGeom>
+        </p:spPr>
+      </p:pic>
+      <p:pic>
+        <p:nvPicPr>
+          <p:cNvPr id="4" name="Picture 3">
+            <a:extLst>
+              <a:ext uri="{FF2B5EF4-FFF2-40B4-BE49-F238E27FC236}">
+                <a16:creationId xmlns:a16="http://schemas.microsoft.com/office/drawing/2014/main" id="{33C5C112-F1EC-EF46-9B0A-B5934CCCC098}"/>
+              </a:ext>
+            </a:extLst>
+          </p:cNvPr>
+          <p:cNvPicPr>
+            <a:picLocks noChangeAspect="1"/>
+          </p:cNvPicPr>
+          <p:nvPr/>
+        </p:nvPicPr>
+        <p:blipFill>
+          <a:blip r:embed="rId3"/>
           <a:stretch>
             <a:fillRect/>
           </a:stretch>
